--- a/Patron_500mm_x.pptx
+++ b/Patron_500mm_x.pptx
@@ -22,6 +22,8 @@
     <p:sldId id="270" r:id="rId21"/>
     <p:sldId id="271" r:id="rId22"/>
     <p:sldId id="272" r:id="rId23"/>
+    <p:sldId id="273" r:id="rId24"/>
+    <p:sldId id="274" r:id="rId25"/>
   </p:sldIdLst>
   <p:sldSz cx="9144000" cy="6858000" type="screen4x3"/>
   <p:notesSz cx="6858000" cy="9144000"/>
@@ -3120,7 +3122,7 @@
         </p:blipFill>
         <p:spPr>
           <a:xfrm>
-            <a:off x="-1417320" y="-4480560"/>
+            <a:off x="-1417320" y="-4572000"/>
             <a:ext cx="11612880" cy="11612880"/>
           </a:xfrm>
           <a:prstGeom prst="rect">
@@ -3162,7 +3164,7 @@
         </p:blipFill>
         <p:spPr>
           <a:xfrm>
-            <a:off x="-1417320" y="-4480560"/>
+            <a:off x="-1417320" y="-4572000"/>
             <a:ext cx="11612880" cy="11612880"/>
           </a:xfrm>
           <a:prstGeom prst="rect">
@@ -3204,7 +3206,7 @@
         </p:blipFill>
         <p:spPr>
           <a:xfrm>
-            <a:off x="-1417320" y="-4480560"/>
+            <a:off x="-1417320" y="-4572000"/>
             <a:ext cx="11612880" cy="11612880"/>
           </a:xfrm>
           <a:prstGeom prst="rect">
@@ -3246,7 +3248,7 @@
         </p:blipFill>
         <p:spPr>
           <a:xfrm>
-            <a:off x="-1417320" y="-4480560"/>
+            <a:off x="-1417320" y="-4572000"/>
             <a:ext cx="11612880" cy="11612880"/>
           </a:xfrm>
           <a:prstGeom prst="rect">
@@ -3288,7 +3290,7 @@
         </p:blipFill>
         <p:spPr>
           <a:xfrm>
-            <a:off x="-1417320" y="-4480560"/>
+            <a:off x="-1417320" y="-4572000"/>
             <a:ext cx="11612880" cy="11612880"/>
           </a:xfrm>
           <a:prstGeom prst="rect">
@@ -3330,7 +3332,7 @@
         </p:blipFill>
         <p:spPr>
           <a:xfrm>
-            <a:off x="-1417320" y="-4480560"/>
+            <a:off x="-1417320" y="-4572000"/>
             <a:ext cx="11612880" cy="11612880"/>
           </a:xfrm>
           <a:prstGeom prst="rect">
@@ -3372,7 +3374,7 @@
         </p:blipFill>
         <p:spPr>
           <a:xfrm>
-            <a:off x="-1417320" y="-4480560"/>
+            <a:off x="-1417320" y="-4572000"/>
             <a:ext cx="11612880" cy="11612880"/>
           </a:xfrm>
           <a:prstGeom prst="rect">
@@ -3414,7 +3416,7 @@
         </p:blipFill>
         <p:spPr>
           <a:xfrm>
-            <a:off x="-1417320" y="-4480560"/>
+            <a:off x="-1417320" y="-4572000"/>
             <a:ext cx="11612880" cy="11612880"/>
           </a:xfrm>
           <a:prstGeom prst="rect">
@@ -3456,7 +3458,91 @@
         </p:blipFill>
         <p:spPr>
           <a:xfrm>
-            <a:off x="-1417320" y="-4480560"/>
+            <a:off x="-1417320" y="-4572000"/>
+            <a:ext cx="11612880" cy="11612880"/>
+          </a:xfrm>
+          <a:prstGeom prst="rect">
+            <a:avLst/>
+          </a:prstGeom>
+        </p:spPr>
+      </p:pic>
+    </p:spTree>
+  </p:cSld>
+  <p:clrMapOvr>
+    <a:masterClrMapping/>
+  </p:clrMapOvr>
+</p:sld>
+</file>
+
+<file path=ppt/slides/slide18.xml><?xml version="1.0" encoding="utf-8"?>
+<p:sld xmlns:a="http://schemas.openxmlformats.org/drawingml/2006/main" xmlns:p="http://schemas.openxmlformats.org/presentationml/2006/main" xmlns:r="http://schemas.openxmlformats.org/officeDocument/2006/relationships">
+  <p:cSld>
+    <p:spTree>
+      <p:nvGrpSpPr>
+        <p:cNvPr id="1" name=""/>
+        <p:cNvGrpSpPr/>
+        <p:nvPr/>
+      </p:nvGrpSpPr>
+      <p:grpSpPr/>
+      <p:pic>
+        <p:nvPicPr>
+          <p:cNvPr id="2" name="Picture 1" descr="Layers.png"/>
+          <p:cNvPicPr>
+            <a:picLocks noChangeAspect="1"/>
+          </p:cNvPicPr>
+          <p:nvPr/>
+        </p:nvPicPr>
+        <p:blipFill>
+          <a:blip r:embed="rId2"/>
+          <a:stretch>
+            <a:fillRect/>
+          </a:stretch>
+        </p:blipFill>
+        <p:spPr>
+          <a:xfrm>
+            <a:off x="-1417320" y="-4572000"/>
+            <a:ext cx="11612880" cy="11612880"/>
+          </a:xfrm>
+          <a:prstGeom prst="rect">
+            <a:avLst/>
+          </a:prstGeom>
+        </p:spPr>
+      </p:pic>
+    </p:spTree>
+  </p:cSld>
+  <p:clrMapOvr>
+    <a:masterClrMapping/>
+  </p:clrMapOvr>
+</p:sld>
+</file>
+
+<file path=ppt/slides/slide19.xml><?xml version="1.0" encoding="utf-8"?>
+<p:sld xmlns:a="http://schemas.openxmlformats.org/drawingml/2006/main" xmlns:p="http://schemas.openxmlformats.org/presentationml/2006/main" xmlns:r="http://schemas.openxmlformats.org/officeDocument/2006/relationships">
+  <p:cSld>
+    <p:spTree>
+      <p:nvGrpSpPr>
+        <p:cNvPr id="1" name=""/>
+        <p:cNvGrpSpPr/>
+        <p:nvPr/>
+      </p:nvGrpSpPr>
+      <p:grpSpPr/>
+      <p:pic>
+        <p:nvPicPr>
+          <p:cNvPr id="2" name="Picture 1" descr="Layers.png"/>
+          <p:cNvPicPr>
+            <a:picLocks noChangeAspect="1"/>
+          </p:cNvPicPr>
+          <p:nvPr/>
+        </p:nvPicPr>
+        <p:blipFill>
+          <a:blip r:embed="rId2"/>
+          <a:stretch>
+            <a:fillRect/>
+          </a:stretch>
+        </p:blipFill>
+        <p:spPr>
+          <a:xfrm>
+            <a:off x="-1417320" y="-4572000"/>
             <a:ext cx="11612880" cy="11612880"/>
           </a:xfrm>
           <a:prstGeom prst="rect">
@@ -3498,7 +3584,7 @@
         </p:blipFill>
         <p:spPr>
           <a:xfrm>
-            <a:off x="-1417320" y="-4480560"/>
+            <a:off x="-1417320" y="-4572000"/>
             <a:ext cx="11612880" cy="11612880"/>
           </a:xfrm>
           <a:prstGeom prst="rect">
@@ -3540,7 +3626,7 @@
         </p:blipFill>
         <p:spPr>
           <a:xfrm>
-            <a:off x="-1417320" y="-4480560"/>
+            <a:off x="-1417320" y="-4572000"/>
             <a:ext cx="11612880" cy="11612880"/>
           </a:xfrm>
           <a:prstGeom prst="rect">
@@ -3582,7 +3668,7 @@
         </p:blipFill>
         <p:spPr>
           <a:xfrm>
-            <a:off x="-1417320" y="-4480560"/>
+            <a:off x="-1417320" y="-4572000"/>
             <a:ext cx="11612880" cy="11612880"/>
           </a:xfrm>
           <a:prstGeom prst="rect">
@@ -3624,7 +3710,7 @@
         </p:blipFill>
         <p:spPr>
           <a:xfrm>
-            <a:off x="-1417320" y="-4480560"/>
+            <a:off x="-1417320" y="-4572000"/>
             <a:ext cx="11612880" cy="11612880"/>
           </a:xfrm>
           <a:prstGeom prst="rect">
@@ -3666,7 +3752,7 @@
         </p:blipFill>
         <p:spPr>
           <a:xfrm>
-            <a:off x="-1417320" y="-4480560"/>
+            <a:off x="-1417320" y="-4572000"/>
             <a:ext cx="11612880" cy="11612880"/>
           </a:xfrm>
           <a:prstGeom prst="rect">
@@ -3708,7 +3794,7 @@
         </p:blipFill>
         <p:spPr>
           <a:xfrm>
-            <a:off x="-1417320" y="-4480560"/>
+            <a:off x="-1417320" y="-4572000"/>
             <a:ext cx="11612880" cy="11612880"/>
           </a:xfrm>
           <a:prstGeom prst="rect">
@@ -3750,7 +3836,7 @@
         </p:blipFill>
         <p:spPr>
           <a:xfrm>
-            <a:off x="-1417320" y="-4480560"/>
+            <a:off x="-1417320" y="-4572000"/>
             <a:ext cx="11612880" cy="11612880"/>
           </a:xfrm>
           <a:prstGeom prst="rect">
@@ -3792,7 +3878,7 @@
         </p:blipFill>
         <p:spPr>
           <a:xfrm>
-            <a:off x="-1417320" y="-4480560"/>
+            <a:off x="-1417320" y="-4572000"/>
             <a:ext cx="11612880" cy="11612880"/>
           </a:xfrm>
           <a:prstGeom prst="rect">
